--- a/하프.pptx
+++ b/하프.pptx
@@ -251,7 +251,7 @@
           <a:p>
             <a:fld id="{0DCF314D-DA67-47AC-AA37-D8F46E883ECB}" type="datetimeFigureOut">
               <a:rPr lang="ko-KR" altLang="en-US" smtClean="0"/>
-              <a:t>2019-11-14</a:t>
+              <a:t>2019-12-02</a:t>
             </a:fld>
             <a:endParaRPr lang="ko-KR" altLang="en-US"/>
           </a:p>
@@ -419,7 +419,7 @@
           <a:p>
             <a:fld id="{0DCF314D-DA67-47AC-AA37-D8F46E883ECB}" type="datetimeFigureOut">
               <a:rPr lang="ko-KR" altLang="en-US" smtClean="0"/>
-              <a:t>2019-11-14</a:t>
+              <a:t>2019-12-02</a:t>
             </a:fld>
             <a:endParaRPr lang="ko-KR" altLang="en-US"/>
           </a:p>
@@ -597,7 +597,7 @@
           <a:p>
             <a:fld id="{0DCF314D-DA67-47AC-AA37-D8F46E883ECB}" type="datetimeFigureOut">
               <a:rPr lang="ko-KR" altLang="en-US" smtClean="0"/>
-              <a:t>2019-11-14</a:t>
+              <a:t>2019-12-02</a:t>
             </a:fld>
             <a:endParaRPr lang="ko-KR" altLang="en-US"/>
           </a:p>
@@ -765,7 +765,7 @@
           <a:p>
             <a:fld id="{0DCF314D-DA67-47AC-AA37-D8F46E883ECB}" type="datetimeFigureOut">
               <a:rPr lang="ko-KR" altLang="en-US" smtClean="0"/>
-              <a:t>2019-11-14</a:t>
+              <a:t>2019-12-02</a:t>
             </a:fld>
             <a:endParaRPr lang="ko-KR" altLang="en-US"/>
           </a:p>
@@ -1010,7 +1010,7 @@
           <a:p>
             <a:fld id="{0DCF314D-DA67-47AC-AA37-D8F46E883ECB}" type="datetimeFigureOut">
               <a:rPr lang="ko-KR" altLang="en-US" smtClean="0"/>
-              <a:t>2019-11-14</a:t>
+              <a:t>2019-12-02</a:t>
             </a:fld>
             <a:endParaRPr lang="ko-KR" altLang="en-US"/>
           </a:p>
@@ -1239,7 +1239,7 @@
           <a:p>
             <a:fld id="{0DCF314D-DA67-47AC-AA37-D8F46E883ECB}" type="datetimeFigureOut">
               <a:rPr lang="ko-KR" altLang="en-US" smtClean="0"/>
-              <a:t>2019-11-14</a:t>
+              <a:t>2019-12-02</a:t>
             </a:fld>
             <a:endParaRPr lang="ko-KR" altLang="en-US"/>
           </a:p>
@@ -1603,7 +1603,7 @@
           <a:p>
             <a:fld id="{0DCF314D-DA67-47AC-AA37-D8F46E883ECB}" type="datetimeFigureOut">
               <a:rPr lang="ko-KR" altLang="en-US" smtClean="0"/>
-              <a:t>2019-11-14</a:t>
+              <a:t>2019-12-02</a:t>
             </a:fld>
             <a:endParaRPr lang="ko-KR" altLang="en-US"/>
           </a:p>
@@ -1720,7 +1720,7 @@
           <a:p>
             <a:fld id="{0DCF314D-DA67-47AC-AA37-D8F46E883ECB}" type="datetimeFigureOut">
               <a:rPr lang="ko-KR" altLang="en-US" smtClean="0"/>
-              <a:t>2019-11-14</a:t>
+              <a:t>2019-12-02</a:t>
             </a:fld>
             <a:endParaRPr lang="ko-KR" altLang="en-US"/>
           </a:p>
@@ -1815,7 +1815,7 @@
           <a:p>
             <a:fld id="{0DCF314D-DA67-47AC-AA37-D8F46E883ECB}" type="datetimeFigureOut">
               <a:rPr lang="ko-KR" altLang="en-US" smtClean="0"/>
-              <a:t>2019-11-14</a:t>
+              <a:t>2019-12-02</a:t>
             </a:fld>
             <a:endParaRPr lang="ko-KR" altLang="en-US"/>
           </a:p>
@@ -2090,7 +2090,7 @@
           <a:p>
             <a:fld id="{0DCF314D-DA67-47AC-AA37-D8F46E883ECB}" type="datetimeFigureOut">
               <a:rPr lang="ko-KR" altLang="en-US" smtClean="0"/>
-              <a:t>2019-11-14</a:t>
+              <a:t>2019-12-02</a:t>
             </a:fld>
             <a:endParaRPr lang="ko-KR" altLang="en-US"/>
           </a:p>
@@ -2342,7 +2342,7 @@
           <a:p>
             <a:fld id="{0DCF314D-DA67-47AC-AA37-D8F46E883ECB}" type="datetimeFigureOut">
               <a:rPr lang="ko-KR" altLang="en-US" smtClean="0"/>
-              <a:t>2019-11-14</a:t>
+              <a:t>2019-12-02</a:t>
             </a:fld>
             <a:endParaRPr lang="ko-KR" altLang="en-US"/>
           </a:p>
@@ -2556,7 +2556,7 @@
           <a:p>
             <a:fld id="{0DCF314D-DA67-47AC-AA37-D8F46E883ECB}" type="datetimeFigureOut">
               <a:rPr lang="ko-KR" altLang="en-US" smtClean="0"/>
-              <a:t>2019-11-14</a:t>
+              <a:t>2019-12-02</a:t>
             </a:fld>
             <a:endParaRPr lang="ko-KR" altLang="en-US"/>
           </a:p>
